--- a/CSC4402-Final_Project.pptx
+++ b/CSC4402-Final_Project.pptx
@@ -11907,7 +11907,12 @@
             <a:fillRect/>
           </a:stretch>
         </p:blipFill>
-        <p:spPr/>
+        <p:spPr>
+          <a:xfrm>
+            <a:off x="7536253" y="914400"/>
+            <a:ext cx="3280974" cy="4937760"/>
+          </a:xfrm>
+        </p:spPr>
       </p:pic>
       <p:sp>
         <p:nvSpPr>
@@ -14322,12 +14327,9 @@
 </file>
 
 <file path=customXml/item1.xml><?xml version="1.0" encoding="utf-8"?>
-<?mso-contentType ?>
-<FormTemplates xmlns="http://schemas.microsoft.com/sharepoint/v3/contenttype/forms">
-  <Display>DocumentLibraryForm</Display>
-  <Edit>DocumentLibraryForm</Edit>
-  <New>DocumentLibraryForm</New>
-</FormTemplates>
+<p:properties xmlns:p="http://schemas.microsoft.com/office/2006/metadata/properties" xmlns:xsi="http://www.w3.org/2001/XMLSchema-instance" xmlns:pc="http://schemas.microsoft.com/office/infopath/2007/PartnerControls">
+  <documentManagement/>
+</p:properties>
 </file>
 
 <file path=customXml/item2.xml><?xml version="1.0" encoding="utf-8"?>
@@ -14502,15 +14504,27 @@
 </file>
 
 <file path=customXml/item3.xml><?xml version="1.0" encoding="utf-8"?>
-<p:properties xmlns:p="http://schemas.microsoft.com/office/2006/metadata/properties" xmlns:xsi="http://www.w3.org/2001/XMLSchema-instance" xmlns:pc="http://schemas.microsoft.com/office/infopath/2007/PartnerControls">
-  <documentManagement/>
-</p:properties>
+<?mso-contentType ?>
+<FormTemplates xmlns="http://schemas.microsoft.com/sharepoint/v3/contenttype/forms">
+  <Display>DocumentLibraryForm</Display>
+  <Edit>DocumentLibraryForm</Edit>
+  <New>DocumentLibraryForm</New>
+</FormTemplates>
 </file>
 
 <file path=customXml/itemProps1.xml><?xml version="1.0" encoding="utf-8"?>
-<ds:datastoreItem xmlns:ds="http://schemas.openxmlformats.org/officeDocument/2006/customXml" ds:itemID="{A23CDE4D-1B14-41DB-85F7-6471997CD6C4}">
+<ds:datastoreItem xmlns:ds="http://schemas.openxmlformats.org/officeDocument/2006/customXml" ds:itemID="{4877925B-8D6F-4917-9125-FE428AFC0F09}">
   <ds:schemaRefs>
-    <ds:schemaRef ds:uri="http://schemas.microsoft.com/sharepoint/v3/contenttype/forms"/>
+    <ds:schemaRef ds:uri="59406684-2ce4-4e0a-84e8-51d22a87eeda"/>
+    <ds:schemaRef ds:uri="dda5b96f-09d1-4b81-bb8e-444a65764093"/>
+    <ds:schemaRef ds:uri="http://purl.org/dc/dcmitype/"/>
+    <ds:schemaRef ds:uri="http://purl.org/dc/elements/1.1/"/>
+    <ds:schemaRef ds:uri="http://purl.org/dc/terms/"/>
+    <ds:schemaRef ds:uri="http://schemas.microsoft.com/office/2006/documentManagement/types"/>
+    <ds:schemaRef ds:uri="http://schemas.microsoft.com/office/2006/metadata/properties"/>
+    <ds:schemaRef ds:uri="http://schemas.microsoft.com/office/infopath/2007/PartnerControls"/>
+    <ds:schemaRef ds:uri="http://schemas.openxmlformats.org/package/2006/metadata/core-properties"/>
+    <ds:schemaRef ds:uri="http://www.w3.org/XML/1998/namespace"/>
   </ds:schemaRefs>
 </ds:datastoreItem>
 </file>
@@ -14535,18 +14549,9 @@
 </file>
 
 <file path=customXml/itemProps3.xml><?xml version="1.0" encoding="utf-8"?>
-<ds:datastoreItem xmlns:ds="http://schemas.openxmlformats.org/officeDocument/2006/customXml" ds:itemID="{4877925B-8D6F-4917-9125-FE428AFC0F09}">
+<ds:datastoreItem xmlns:ds="http://schemas.openxmlformats.org/officeDocument/2006/customXml" ds:itemID="{A23CDE4D-1B14-41DB-85F7-6471997CD6C4}">
   <ds:schemaRefs>
-    <ds:schemaRef ds:uri="59406684-2ce4-4e0a-84e8-51d22a87eeda"/>
-    <ds:schemaRef ds:uri="dda5b96f-09d1-4b81-bb8e-444a65764093"/>
-    <ds:schemaRef ds:uri="http://purl.org/dc/dcmitype/"/>
-    <ds:schemaRef ds:uri="http://purl.org/dc/elements/1.1/"/>
-    <ds:schemaRef ds:uri="http://purl.org/dc/terms/"/>
-    <ds:schemaRef ds:uri="http://schemas.microsoft.com/office/2006/documentManagement/types"/>
-    <ds:schemaRef ds:uri="http://schemas.microsoft.com/office/2006/metadata/properties"/>
-    <ds:schemaRef ds:uri="http://schemas.microsoft.com/office/infopath/2007/PartnerControls"/>
-    <ds:schemaRef ds:uri="http://schemas.openxmlformats.org/package/2006/metadata/core-properties"/>
-    <ds:schemaRef ds:uri="http://www.w3.org/XML/1998/namespace"/>
+    <ds:schemaRef ds:uri="http://schemas.microsoft.com/sharepoint/v3/contenttype/forms"/>
   </ds:schemaRefs>
 </ds:datastoreItem>
 </file>